--- a/web/documentserver-example/nodejs/public/samples/new.pptx
+++ b/web/documentserver-example/nodejs/public/samples/new.pptx
@@ -14,7 +14,7 @@
   <p:notesSz cx="6858000" cy="9144000"/>
   <p:defaultTextStyle>
     <a:defPPr>
-      <a:defRPr lang="ru-RU"/>
+      <a:defRPr lang="en-US"/>
     </a:defPPr>
     <a:lvl1pPr marL="0" algn="l" defTabSz="914400" rtl="0" eaLnBrk="1" latinLnBrk="0" hangingPunct="1">
       <a:defRPr sz="1800" kern="1200">
@@ -690,10 +690,10 @@
           <a:lstStyle/>
           <a:p>
             <a:fld id="{BCC18F51-09EC-435C-A3BA-64A766E099C0}" type="datetimeFigureOut">
-              <a:rPr lang="ru-RU" smtClean="0"/>
+              <a:rPr lang="en-US" smtClean="0"/>
               <a:t>30.10.2013</a:t>
             </a:fld>
-            <a:endParaRPr lang="ru-RU"/>
+            <a:endParaRPr lang="en-US"/>
           </a:p>
         </p:txBody>
       </p:sp>
@@ -712,7 +712,7 @@
           <a:bodyPr/>
           <a:lstStyle/>
           <a:p>
-            <a:endParaRPr lang="ru-RU"/>
+            <a:endParaRPr lang="en-US"/>
           </a:p>
         </p:txBody>
       </p:sp>
@@ -732,10 +732,10 @@
           <a:lstStyle/>
           <a:p>
             <a:fld id="{08395586-F03A-48D1-94DF-16B239DF4FB5}" type="slidenum">
-              <a:rPr lang="ru-RU" smtClean="0"/>
+              <a:rPr lang="en-US" smtClean="0"/>
               <a:t>‹#›</a:t>
             </a:fld>
-            <a:endParaRPr lang="ru-RU"/>
+            <a:endParaRPr lang="en-US"/>
           </a:p>
         </p:txBody>
       </p:sp>
@@ -860,10 +860,10 @@
           <a:lstStyle/>
           <a:p>
             <a:fld id="{BCC18F51-09EC-435C-A3BA-64A766E099C0}" type="datetimeFigureOut">
-              <a:rPr lang="ru-RU" smtClean="0"/>
+              <a:rPr lang="en-US" smtClean="0"/>
               <a:t>30.10.2013</a:t>
             </a:fld>
-            <a:endParaRPr lang="ru-RU"/>
+            <a:endParaRPr lang="en-US"/>
           </a:p>
         </p:txBody>
       </p:sp>
@@ -882,7 +882,7 @@
           <a:bodyPr/>
           <a:lstStyle/>
           <a:p>
-            <a:endParaRPr lang="ru-RU"/>
+            <a:endParaRPr lang="en-US"/>
           </a:p>
         </p:txBody>
       </p:sp>
@@ -902,10 +902,10 @@
           <a:lstStyle/>
           <a:p>
             <a:fld id="{08395586-F03A-48D1-94DF-16B239DF4FB5}" type="slidenum">
-              <a:rPr lang="ru-RU" smtClean="0"/>
+              <a:rPr lang="en-US" smtClean="0"/>
               <a:t>‹#›</a:t>
             </a:fld>
-            <a:endParaRPr lang="ru-RU"/>
+            <a:endParaRPr lang="en-US"/>
           </a:p>
         </p:txBody>
       </p:sp>
@@ -1040,10 +1040,10 @@
           <a:lstStyle/>
           <a:p>
             <a:fld id="{BCC18F51-09EC-435C-A3BA-64A766E099C0}" type="datetimeFigureOut">
-              <a:rPr lang="ru-RU" smtClean="0"/>
+              <a:rPr lang="en-US" smtClean="0"/>
               <a:t>30.10.2013</a:t>
             </a:fld>
-            <a:endParaRPr lang="ru-RU"/>
+            <a:endParaRPr lang="en-US"/>
           </a:p>
         </p:txBody>
       </p:sp>
@@ -1062,7 +1062,7 @@
           <a:bodyPr/>
           <a:lstStyle/>
           <a:p>
-            <a:endParaRPr lang="ru-RU"/>
+            <a:endParaRPr lang="en-US"/>
           </a:p>
         </p:txBody>
       </p:sp>
@@ -1082,10 +1082,10 @@
           <a:lstStyle/>
           <a:p>
             <a:fld id="{08395586-F03A-48D1-94DF-16B239DF4FB5}" type="slidenum">
-              <a:rPr lang="ru-RU" smtClean="0"/>
+              <a:rPr lang="en-US" smtClean="0"/>
               <a:t>‹#›</a:t>
             </a:fld>
-            <a:endParaRPr lang="ru-RU"/>
+            <a:endParaRPr lang="en-US"/>
           </a:p>
         </p:txBody>
       </p:sp>
@@ -1210,10 +1210,10 @@
           <a:lstStyle/>
           <a:p>
             <a:fld id="{BCC18F51-09EC-435C-A3BA-64A766E099C0}" type="datetimeFigureOut">
-              <a:rPr lang="ru-RU" smtClean="0"/>
+              <a:rPr lang="en-US" smtClean="0"/>
               <a:t>30.10.2013</a:t>
             </a:fld>
-            <a:endParaRPr lang="ru-RU"/>
+            <a:endParaRPr lang="en-US"/>
           </a:p>
         </p:txBody>
       </p:sp>
@@ -1232,7 +1232,7 @@
           <a:bodyPr/>
           <a:lstStyle/>
           <a:p>
-            <a:endParaRPr lang="ru-RU"/>
+            <a:endParaRPr lang="en-US"/>
           </a:p>
         </p:txBody>
       </p:sp>
@@ -1252,10 +1252,10 @@
           <a:lstStyle/>
           <a:p>
             <a:fld id="{08395586-F03A-48D1-94DF-16B239DF4FB5}" type="slidenum">
-              <a:rPr lang="ru-RU" smtClean="0"/>
+              <a:rPr lang="en-US" smtClean="0"/>
               <a:t>‹#›</a:t>
             </a:fld>
-            <a:endParaRPr lang="ru-RU"/>
+            <a:endParaRPr lang="en-US"/>
           </a:p>
         </p:txBody>
       </p:sp>
@@ -1456,10 +1456,10 @@
           <a:lstStyle/>
           <a:p>
             <a:fld id="{BCC18F51-09EC-435C-A3BA-64A766E099C0}" type="datetimeFigureOut">
-              <a:rPr lang="ru-RU" smtClean="0"/>
+              <a:rPr lang="en-US" smtClean="0"/>
               <a:t>30.10.2013</a:t>
             </a:fld>
-            <a:endParaRPr lang="ru-RU"/>
+            <a:endParaRPr lang="en-US"/>
           </a:p>
         </p:txBody>
       </p:sp>
@@ -1478,7 +1478,7 @@
           <a:bodyPr/>
           <a:lstStyle/>
           <a:p>
-            <a:endParaRPr lang="ru-RU"/>
+            <a:endParaRPr lang="en-US"/>
           </a:p>
         </p:txBody>
       </p:sp>
@@ -1498,10 +1498,10 @@
           <a:lstStyle/>
           <a:p>
             <a:fld id="{08395586-F03A-48D1-94DF-16B239DF4FB5}" type="slidenum">
-              <a:rPr lang="ru-RU" smtClean="0"/>
+              <a:rPr lang="en-US" smtClean="0"/>
               <a:t>‹#›</a:t>
             </a:fld>
-            <a:endParaRPr lang="ru-RU"/>
+            <a:endParaRPr lang="en-US"/>
           </a:p>
         </p:txBody>
       </p:sp>
@@ -1688,10 +1688,10 @@
           <a:lstStyle/>
           <a:p>
             <a:fld id="{BCC18F51-09EC-435C-A3BA-64A766E099C0}" type="datetimeFigureOut">
-              <a:rPr lang="ru-RU" smtClean="0"/>
+              <a:rPr lang="en-US" smtClean="0"/>
               <a:t>30.10.2013</a:t>
             </a:fld>
-            <a:endParaRPr lang="ru-RU"/>
+            <a:endParaRPr lang="en-US"/>
           </a:p>
         </p:txBody>
       </p:sp>
@@ -1710,7 +1710,7 @@
           <a:bodyPr/>
           <a:lstStyle/>
           <a:p>
-            <a:endParaRPr lang="ru-RU"/>
+            <a:endParaRPr lang="en-US"/>
           </a:p>
         </p:txBody>
       </p:sp>
@@ -1730,10 +1730,10 @@
           <a:lstStyle/>
           <a:p>
             <a:fld id="{08395586-F03A-48D1-94DF-16B239DF4FB5}" type="slidenum">
-              <a:rPr lang="ru-RU" smtClean="0"/>
+              <a:rPr lang="en-US" smtClean="0"/>
               <a:t>‹#›</a:t>
             </a:fld>
-            <a:endParaRPr lang="ru-RU"/>
+            <a:endParaRPr lang="en-US"/>
           </a:p>
         </p:txBody>
       </p:sp>
@@ -2055,10 +2055,10 @@
           <a:lstStyle/>
           <a:p>
             <a:fld id="{BCC18F51-09EC-435C-A3BA-64A766E099C0}" type="datetimeFigureOut">
-              <a:rPr lang="ru-RU" smtClean="0"/>
+              <a:rPr lang="en-US" smtClean="0"/>
               <a:t>30.10.2013</a:t>
             </a:fld>
-            <a:endParaRPr lang="ru-RU"/>
+            <a:endParaRPr lang="en-US"/>
           </a:p>
         </p:txBody>
       </p:sp>
@@ -2077,7 +2077,7 @@
           <a:bodyPr/>
           <a:lstStyle/>
           <a:p>
-            <a:endParaRPr lang="ru-RU"/>
+            <a:endParaRPr lang="en-US"/>
           </a:p>
         </p:txBody>
       </p:sp>
@@ -2097,10 +2097,10 @@
           <a:lstStyle/>
           <a:p>
             <a:fld id="{08395586-F03A-48D1-94DF-16B239DF4FB5}" type="slidenum">
-              <a:rPr lang="ru-RU" smtClean="0"/>
+              <a:rPr lang="en-US" smtClean="0"/>
               <a:t>‹#›</a:t>
             </a:fld>
-            <a:endParaRPr lang="ru-RU"/>
+            <a:endParaRPr lang="en-US"/>
           </a:p>
         </p:txBody>
       </p:sp>
@@ -2173,10 +2173,10 @@
           <a:lstStyle/>
           <a:p>
             <a:fld id="{BCC18F51-09EC-435C-A3BA-64A766E099C0}" type="datetimeFigureOut">
-              <a:rPr lang="ru-RU" smtClean="0"/>
+              <a:rPr lang="en-US" smtClean="0"/>
               <a:t>30.10.2013</a:t>
             </a:fld>
-            <a:endParaRPr lang="ru-RU"/>
+            <a:endParaRPr lang="en-US"/>
           </a:p>
         </p:txBody>
       </p:sp>
@@ -2195,7 +2195,7 @@
           <a:bodyPr/>
           <a:lstStyle/>
           <a:p>
-            <a:endParaRPr lang="ru-RU"/>
+            <a:endParaRPr lang="en-US"/>
           </a:p>
         </p:txBody>
       </p:sp>
@@ -2215,10 +2215,10 @@
           <a:lstStyle/>
           <a:p>
             <a:fld id="{08395586-F03A-48D1-94DF-16B239DF4FB5}" type="slidenum">
-              <a:rPr lang="ru-RU" smtClean="0"/>
+              <a:rPr lang="en-US" smtClean="0"/>
               <a:t>‹#›</a:t>
             </a:fld>
-            <a:endParaRPr lang="ru-RU"/>
+            <a:endParaRPr lang="en-US"/>
           </a:p>
         </p:txBody>
       </p:sp>
@@ -2268,10 +2268,10 @@
           <a:lstStyle/>
           <a:p>
             <a:fld id="{BCC18F51-09EC-435C-A3BA-64A766E099C0}" type="datetimeFigureOut">
-              <a:rPr lang="ru-RU" smtClean="0"/>
+              <a:rPr lang="en-US" smtClean="0"/>
               <a:t>30.10.2013</a:t>
             </a:fld>
-            <a:endParaRPr lang="ru-RU"/>
+            <a:endParaRPr lang="en-US"/>
           </a:p>
         </p:txBody>
       </p:sp>
@@ -2290,7 +2290,7 @@
           <a:bodyPr/>
           <a:lstStyle/>
           <a:p>
-            <a:endParaRPr lang="ru-RU"/>
+            <a:endParaRPr lang="en-US"/>
           </a:p>
         </p:txBody>
       </p:sp>
@@ -2310,10 +2310,10 @@
           <a:lstStyle/>
           <a:p>
             <a:fld id="{08395586-F03A-48D1-94DF-16B239DF4FB5}" type="slidenum">
-              <a:rPr lang="ru-RU" smtClean="0"/>
+              <a:rPr lang="en-US" smtClean="0"/>
               <a:t>‹#›</a:t>
             </a:fld>
-            <a:endParaRPr lang="ru-RU"/>
+            <a:endParaRPr lang="en-US"/>
           </a:p>
         </p:txBody>
       </p:sp>
@@ -2545,10 +2545,10 @@
           <a:lstStyle/>
           <a:p>
             <a:fld id="{BCC18F51-09EC-435C-A3BA-64A766E099C0}" type="datetimeFigureOut">
-              <a:rPr lang="ru-RU" smtClean="0"/>
+              <a:rPr lang="en-US" smtClean="0"/>
               <a:t>30.10.2013</a:t>
             </a:fld>
-            <a:endParaRPr lang="ru-RU"/>
+            <a:endParaRPr lang="en-US"/>
           </a:p>
         </p:txBody>
       </p:sp>
@@ -2567,7 +2567,7 @@
           <a:bodyPr/>
           <a:lstStyle/>
           <a:p>
-            <a:endParaRPr lang="ru-RU"/>
+            <a:endParaRPr lang="en-US"/>
           </a:p>
         </p:txBody>
       </p:sp>
@@ -2587,10 +2587,10 @@
           <a:lstStyle/>
           <a:p>
             <a:fld id="{08395586-F03A-48D1-94DF-16B239DF4FB5}" type="slidenum">
-              <a:rPr lang="ru-RU" smtClean="0"/>
+              <a:rPr lang="en-US" smtClean="0"/>
               <a:t>‹#›</a:t>
             </a:fld>
-            <a:endParaRPr lang="ru-RU"/>
+            <a:endParaRPr lang="en-US"/>
           </a:p>
         </p:txBody>
       </p:sp>
@@ -2802,10 +2802,10 @@
           <a:lstStyle/>
           <a:p>
             <a:fld id="{BCC18F51-09EC-435C-A3BA-64A766E099C0}" type="datetimeFigureOut">
-              <a:rPr lang="ru-RU" smtClean="0"/>
+              <a:rPr lang="en-US" smtClean="0"/>
               <a:t>30.10.2013</a:t>
             </a:fld>
-            <a:endParaRPr lang="ru-RU"/>
+            <a:endParaRPr lang="en-US"/>
           </a:p>
         </p:txBody>
       </p:sp>
@@ -2824,7 +2824,7 @@
           <a:bodyPr/>
           <a:lstStyle/>
           <a:p>
-            <a:endParaRPr lang="ru-RU"/>
+            <a:endParaRPr lang="en-US"/>
           </a:p>
         </p:txBody>
       </p:sp>
@@ -2844,10 +2844,10 @@
           <a:lstStyle/>
           <a:p>
             <a:fld id="{08395586-F03A-48D1-94DF-16B239DF4FB5}" type="slidenum">
-              <a:rPr lang="ru-RU" smtClean="0"/>
+              <a:rPr lang="en-US" smtClean="0"/>
               <a:t>‹#›</a:t>
             </a:fld>
-            <a:endParaRPr lang="ru-RU"/>
+            <a:endParaRPr lang="en-US"/>
           </a:p>
         </p:txBody>
       </p:sp>
@@ -3015,10 +3015,10 @@
           </a:lstStyle>
           <a:p>
             <a:fld id="{BCC18F51-09EC-435C-A3BA-64A766E099C0}" type="datetimeFigureOut">
-              <a:rPr lang="ru-RU" smtClean="0"/>
+              <a:rPr lang="en-US" smtClean="0"/>
               <a:t>30.10.2013</a:t>
             </a:fld>
-            <a:endParaRPr lang="ru-RU"/>
+            <a:endParaRPr lang="en-US"/>
           </a:p>
         </p:txBody>
       </p:sp>
@@ -3055,7 +3055,7 @@
             </a:lvl1pPr>
           </a:lstStyle>
           <a:p>
-            <a:endParaRPr lang="ru-RU"/>
+            <a:endParaRPr lang="en-US"/>
           </a:p>
         </p:txBody>
       </p:sp>
@@ -3093,10 +3093,10 @@
           </a:lstStyle>
           <a:p>
             <a:fld id="{08395586-F03A-48D1-94DF-16B239DF4FB5}" type="slidenum">
-              <a:rPr lang="ru-RU" smtClean="0"/>
+              <a:rPr lang="en-US" smtClean="0"/>
               <a:t>‹#›</a:t>
             </a:fld>
-            <a:endParaRPr lang="ru-RU"/>
+            <a:endParaRPr lang="en-US"/>
           </a:p>
         </p:txBody>
       </p:sp>
@@ -3436,7 +3436,7 @@
           <a:bodyPr/>
           <a:lstStyle/>
           <a:p>
-            <a:endParaRPr lang="ru-RU" dirty="0"/>
+            <a:endParaRPr lang="en-US" dirty="0"/>
           </a:p>
         </p:txBody>
       </p:sp>
@@ -3455,7 +3455,7 @@
           <a:bodyPr/>
           <a:lstStyle/>
           <a:p>
-            <a:endParaRPr lang="ru-RU" dirty="0"/>
+            <a:endParaRPr lang="en-US" dirty="0"/>
           </a:p>
         </p:txBody>
       </p:sp>
